--- a/Docs/SnakeGamePPT.pptx
+++ b/Docs/SnakeGamePPT.pptx
@@ -56,9 +56,13 @@
       <p:bold r:id="rId27"/>
     </p:embeddedFont>
     <p:embeddedFont>
+      <p:font typeface="The Legend of Zelda NES" panose="00000400000000000000" pitchFamily="50" charset="0"/>
+      <p:regular r:id="rId28"/>
+    </p:embeddedFont>
+    <p:embeddedFont>
       <p:font typeface="等线" panose="02010600030101010101" pitchFamily="2" charset="-122"/>
-      <p:regular r:id="rId28"/>
-      <p:bold r:id="rId29"/>
+      <p:regular r:id="rId29"/>
+      <p:bold r:id="rId30"/>
     </p:embeddedFont>
   </p:embeddedFontLst>
   <p:defaultTextStyle>
@@ -267,7 +271,7 @@
           <a:p>
             <a:fld id="{B7268E1E-0E44-426D-905E-8AD9B19D2182}" type="datetimeFigureOut">
               <a:rPr lang="cs-CZ" smtClean="0"/>
-              <a:t>07.12.2024</a:t>
+              <a:t>11.12.2024</a:t>
             </a:fld>
             <a:endParaRPr lang="cs-CZ"/>
           </a:p>
@@ -4672,7 +4676,7 @@
             <a:fld id="{1D8BD707-D9CF-40AE-B4C6-C98DA3205C09}" type="datetimeFigureOut">
               <a:rPr lang="en-US" smtClean="0"/>
               <a:pPr/>
-              <a:t>12/7/2024</a:t>
+              <a:t>12/11/2024</a:t>
             </a:fld>
             <a:endParaRPr lang="en-US"/>
           </a:p>
@@ -4837,7 +4841,7 @@
             <a:fld id="{1D8BD707-D9CF-40AE-B4C6-C98DA3205C09}" type="datetimeFigureOut">
               <a:rPr lang="en-US" smtClean="0"/>
               <a:pPr/>
-              <a:t>12/7/2024</a:t>
+              <a:t>12/11/2024</a:t>
             </a:fld>
             <a:endParaRPr lang="en-US"/>
           </a:p>
@@ -5012,7 +5016,7 @@
             <a:fld id="{1D8BD707-D9CF-40AE-B4C6-C98DA3205C09}" type="datetimeFigureOut">
               <a:rPr lang="en-US" smtClean="0"/>
               <a:pPr/>
-              <a:t>12/7/2024</a:t>
+              <a:t>12/11/2024</a:t>
             </a:fld>
             <a:endParaRPr lang="en-US"/>
           </a:p>
@@ -5177,7 +5181,7 @@
             <a:fld id="{1D8BD707-D9CF-40AE-B4C6-C98DA3205C09}" type="datetimeFigureOut">
               <a:rPr lang="en-US" smtClean="0"/>
               <a:pPr/>
-              <a:t>12/7/2024</a:t>
+              <a:t>12/11/2024</a:t>
             </a:fld>
             <a:endParaRPr lang="en-US"/>
           </a:p>
@@ -5419,7 +5423,7 @@
             <a:fld id="{1D8BD707-D9CF-40AE-B4C6-C98DA3205C09}" type="datetimeFigureOut">
               <a:rPr lang="en-US" smtClean="0"/>
               <a:pPr/>
-              <a:t>12/7/2024</a:t>
+              <a:t>12/11/2024</a:t>
             </a:fld>
             <a:endParaRPr lang="en-US"/>
           </a:p>
@@ -5701,7 +5705,7 @@
             <a:fld id="{1D8BD707-D9CF-40AE-B4C6-C98DA3205C09}" type="datetimeFigureOut">
               <a:rPr lang="en-US" smtClean="0"/>
               <a:pPr/>
-              <a:t>12/7/2024</a:t>
+              <a:t>12/11/2024</a:t>
             </a:fld>
             <a:endParaRPr lang="en-US"/>
           </a:p>
@@ -6117,7 +6121,7 @@
             <a:fld id="{1D8BD707-D9CF-40AE-B4C6-C98DA3205C09}" type="datetimeFigureOut">
               <a:rPr lang="en-US" smtClean="0"/>
               <a:pPr/>
-              <a:t>12/7/2024</a:t>
+              <a:t>12/11/2024</a:t>
             </a:fld>
             <a:endParaRPr lang="en-US"/>
           </a:p>
@@ -6231,7 +6235,7 @@
             <a:fld id="{1D8BD707-D9CF-40AE-B4C6-C98DA3205C09}" type="datetimeFigureOut">
               <a:rPr lang="en-US" smtClean="0"/>
               <a:pPr/>
-              <a:t>12/7/2024</a:t>
+              <a:t>12/11/2024</a:t>
             </a:fld>
             <a:endParaRPr lang="en-US"/>
           </a:p>
@@ -6323,7 +6327,7 @@
             <a:fld id="{1D8BD707-D9CF-40AE-B4C6-C98DA3205C09}" type="datetimeFigureOut">
               <a:rPr lang="en-US" smtClean="0"/>
               <a:pPr/>
-              <a:t>12/7/2024</a:t>
+              <a:t>12/11/2024</a:t>
             </a:fld>
             <a:endParaRPr lang="en-US"/>
           </a:p>
@@ -6595,7 +6599,7 @@
             <a:fld id="{1D8BD707-D9CF-40AE-B4C6-C98DA3205C09}" type="datetimeFigureOut">
               <a:rPr lang="en-US" smtClean="0"/>
               <a:pPr/>
-              <a:t>12/7/2024</a:t>
+              <a:t>12/11/2024</a:t>
             </a:fld>
             <a:endParaRPr lang="en-US"/>
           </a:p>
@@ -6844,7 +6848,7 @@
             <a:fld id="{1D8BD707-D9CF-40AE-B4C6-C98DA3205C09}" type="datetimeFigureOut">
               <a:rPr lang="en-US" smtClean="0"/>
               <a:pPr/>
-              <a:t>12/7/2024</a:t>
+              <a:t>12/11/2024</a:t>
             </a:fld>
             <a:endParaRPr lang="en-US"/>
           </a:p>
@@ -7055,7 +7059,7 @@
             <a:fld id="{1D8BD707-D9CF-40AE-B4C6-C98DA3205C09}" type="datetimeFigureOut">
               <a:rPr lang="en-US" smtClean="0"/>
               <a:pPr/>
-              <a:t>12/7/2024</a:t>
+              <a:t>12/11/2024</a:t>
             </a:fld>
             <a:endParaRPr lang="en-US"/>
           </a:p>
@@ -7862,7 +7866,7 @@
         </p:nvSpPr>
         <p:spPr>
           <a:xfrm>
-            <a:off x="6684625" y="5437851"/>
+            <a:off x="6723207" y="6383170"/>
             <a:ext cx="4918746" cy="369332"/>
           </a:xfrm>
           <a:prstGeom prst="rect">
@@ -7911,8 +7915,8 @@
         </p:nvSpPr>
         <p:spPr>
           <a:xfrm>
-            <a:off x="2667000" y="2595174"/>
-            <a:ext cx="12668131" cy="2513509"/>
+            <a:off x="839161" y="1790700"/>
+            <a:ext cx="16686839" cy="3686907"/>
           </a:xfrm>
           <a:prstGeom prst="rect">
             <a:avLst/>
@@ -7930,7 +7934,7 @@
               </a:lnSpc>
             </a:pPr>
             <a:r>
-              <a:rPr lang="en-US" sz="9073" dirty="0">
+              <a:rPr lang="en-US" sz="6000" dirty="0">
                 <a:solidFill>
                   <a:srgbClr val="E5CA97"/>
                 </a:solidFill>
@@ -7949,7 +7953,7 @@
               </a:lnSpc>
             </a:pPr>
             <a:r>
-              <a:rPr lang="en-US" sz="9073" dirty="0">
+              <a:rPr lang="en-US" sz="6000" dirty="0">
                 <a:solidFill>
                   <a:srgbClr val="E5CA97"/>
                 </a:solidFill>
@@ -7958,10 +7962,17 @@
                 <a:cs typeface="The Legend of Zelda NES" panose="00000400000000000000" pitchFamily="50" charset="0"/>
                 <a:sym typeface="Arimo"/>
               </a:rPr>
-              <a:t>Entertainment </a:t>
-            </a:r>
-            <a:r>
-              <a:rPr lang="en-US" sz="9073" dirty="0" err="1">
+              <a:t>Entertainment</a:t>
+            </a:r>
+          </a:p>
+          <a:p>
+            <a:pPr algn="ctr">
+              <a:lnSpc>
+                <a:spcPts val="9799"/>
+              </a:lnSpc>
+            </a:pPr>
+            <a:r>
+              <a:rPr lang="en-US" sz="6000" dirty="0" err="1">
                 <a:solidFill>
                   <a:srgbClr val="E5CA97"/>
                 </a:solidFill>
@@ -7972,7 +7983,7 @@
               </a:rPr>
               <a:t>Syetem</a:t>
             </a:r>
-            <a:endParaRPr lang="en-US" sz="9073" dirty="0">
+            <a:endParaRPr lang="en-US" sz="6000" dirty="0">
               <a:solidFill>
                 <a:srgbClr val="E5CA97"/>
               </a:solidFill>
